--- a/Arthur_presentation_profs.pptx
+++ b/Arthur_presentation_profs.pptx
@@ -3352,7 +3352,7 @@
         <p:spPr>
           <a:xfrm>
             <a:off x="0" y="1495425"/>
-            <a:ext cx="12191999" cy="646331"/>
+            <a:ext cx="12191999" cy="1200329"/>
           </a:xfrm>
           <a:prstGeom prst="rect">
             <a:avLst/>
@@ -3370,6 +3370,22 @@
               <a:rPr lang="fr-FR" sz="3600" dirty="0"/>
               <a:t>Mais qui sont nos profs?</a:t>
             </a:r>
+          </a:p>
+          <a:p>
+            <a:pPr algn="ctr"/>
+            <a:r>
+              <a:rPr lang="fr-FR" sz="3600" dirty="0">
+                <a:hlinkClick r:id="rId2"/>
+              </a:rPr>
+              <a:t>Lien G</a:t>
+            </a:r>
+            <a:r>
+              <a:rPr lang="fr-FR" sz="3600">
+                <a:hlinkClick r:id="rId2"/>
+              </a:rPr>
+              <a:t>ithub</a:t>
+            </a:r>
+            <a:endParaRPr lang="fr-FR" sz="3600" dirty="0"/>
           </a:p>
         </p:txBody>
       </p:sp>
